--- a/figures/Fig1_council_map.pptx
+++ b/figures/Fig1_council_map.pptx
@@ -5,7 +5,8 @@
     <p:sldMasterId id="2147483648" r:id="rId1"/>
   </p:sldMasterIdLst>
   <p:sldIdLst>
-    <p:sldId id="256" r:id="rId2"/>
+    <p:sldId id="257" r:id="rId2"/>
+    <p:sldId id="256" r:id="rId3"/>
   </p:sldIdLst>
   <p:sldSz cx="12192000" cy="6858000"/>
   <p:notesSz cx="6858000" cy="9144000"/>
@@ -104,6 +105,11 @@
       </a:defRPr>
     </a:lvl9pPr>
   </p:defaultTextStyle>
+  <p:extLst>
+    <p:ext uri="{EFAFB233-063F-42B5-8137-9DF3F51BA10A}">
+      <p15:sldGuideLst xmlns:p15="http://schemas.microsoft.com/office/powerpoint/2012/main"/>
+    </p:ext>
+  </p:extLst>
 </p:presentation>
 </file>
 
@@ -254,7 +260,7 @@
           <a:p>
             <a:fld id="{548A9B96-406B-D54C-B9FC-26BFA4C3411E}" type="datetimeFigureOut">
               <a:rPr lang="en-US" smtClean="0"/>
-              <a:t>10/9/24</a:t>
+              <a:t>10/14/24</a:t>
             </a:fld>
             <a:endParaRPr lang="en-US"/>
           </a:p>
@@ -452,7 +458,7 @@
           <a:p>
             <a:fld id="{548A9B96-406B-D54C-B9FC-26BFA4C3411E}" type="datetimeFigureOut">
               <a:rPr lang="en-US" smtClean="0"/>
-              <a:t>10/9/24</a:t>
+              <a:t>10/14/24</a:t>
             </a:fld>
             <a:endParaRPr lang="en-US"/>
           </a:p>
@@ -660,7 +666,7 @@
           <a:p>
             <a:fld id="{548A9B96-406B-D54C-B9FC-26BFA4C3411E}" type="datetimeFigureOut">
               <a:rPr lang="en-US" smtClean="0"/>
-              <a:t>10/9/24</a:t>
+              <a:t>10/14/24</a:t>
             </a:fld>
             <a:endParaRPr lang="en-US"/>
           </a:p>
@@ -858,7 +864,7 @@
           <a:p>
             <a:fld id="{548A9B96-406B-D54C-B9FC-26BFA4C3411E}" type="datetimeFigureOut">
               <a:rPr lang="en-US" smtClean="0"/>
-              <a:t>10/9/24</a:t>
+              <a:t>10/14/24</a:t>
             </a:fld>
             <a:endParaRPr lang="en-US"/>
           </a:p>
@@ -1133,7 +1139,7 @@
           <a:p>
             <a:fld id="{548A9B96-406B-D54C-B9FC-26BFA4C3411E}" type="datetimeFigureOut">
               <a:rPr lang="en-US" smtClean="0"/>
-              <a:t>10/9/24</a:t>
+              <a:t>10/14/24</a:t>
             </a:fld>
             <a:endParaRPr lang="en-US"/>
           </a:p>
@@ -1398,7 +1404,7 @@
           <a:p>
             <a:fld id="{548A9B96-406B-D54C-B9FC-26BFA4C3411E}" type="datetimeFigureOut">
               <a:rPr lang="en-US" smtClean="0"/>
-              <a:t>10/9/24</a:t>
+              <a:t>10/14/24</a:t>
             </a:fld>
             <a:endParaRPr lang="en-US"/>
           </a:p>
@@ -1810,7 +1816,7 @@
           <a:p>
             <a:fld id="{548A9B96-406B-D54C-B9FC-26BFA4C3411E}" type="datetimeFigureOut">
               <a:rPr lang="en-US" smtClean="0"/>
-              <a:t>10/9/24</a:t>
+              <a:t>10/14/24</a:t>
             </a:fld>
             <a:endParaRPr lang="en-US"/>
           </a:p>
@@ -1951,7 +1957,7 @@
           <a:p>
             <a:fld id="{548A9B96-406B-D54C-B9FC-26BFA4C3411E}" type="datetimeFigureOut">
               <a:rPr lang="en-US" smtClean="0"/>
-              <a:t>10/9/24</a:t>
+              <a:t>10/14/24</a:t>
             </a:fld>
             <a:endParaRPr lang="en-US"/>
           </a:p>
@@ -2064,7 +2070,7 @@
           <a:p>
             <a:fld id="{548A9B96-406B-D54C-B9FC-26BFA4C3411E}" type="datetimeFigureOut">
               <a:rPr lang="en-US" smtClean="0"/>
-              <a:t>10/9/24</a:t>
+              <a:t>10/14/24</a:t>
             </a:fld>
             <a:endParaRPr lang="en-US"/>
           </a:p>
@@ -2375,7 +2381,7 @@
           <a:p>
             <a:fld id="{548A9B96-406B-D54C-B9FC-26BFA4C3411E}" type="datetimeFigureOut">
               <a:rPr lang="en-US" smtClean="0"/>
-              <a:t>10/9/24</a:t>
+              <a:t>10/14/24</a:t>
             </a:fld>
             <a:endParaRPr lang="en-US"/>
           </a:p>
@@ -2663,7 +2669,7 @@
           <a:p>
             <a:fld id="{548A9B96-406B-D54C-B9FC-26BFA4C3411E}" type="datetimeFigureOut">
               <a:rPr lang="en-US" smtClean="0"/>
-              <a:t>10/9/24</a:t>
+              <a:t>10/14/24</a:t>
             </a:fld>
             <a:endParaRPr lang="en-US"/>
           </a:p>
@@ -2904,7 +2910,7 @@
           <a:p>
             <a:fld id="{548A9B96-406B-D54C-B9FC-26BFA4C3411E}" type="datetimeFigureOut">
               <a:rPr lang="en-US" smtClean="0"/>
-              <a:t>10/9/24</a:t>
+              <a:t>10/14/24</a:t>
             </a:fld>
             <a:endParaRPr lang="en-US"/>
           </a:p>
@@ -3323,6 +3329,477 @@
       </p:grpSpPr>
       <p:pic>
         <p:nvPicPr>
+          <p:cNvPr id="17" name="Picture 16" descr="A map of the united states&#10;&#10;Description automatically generated">
+            <a:extLst>
+              <a:ext uri="{FF2B5EF4-FFF2-40B4-BE49-F238E27FC236}">
+                <a16:creationId xmlns:a16="http://schemas.microsoft.com/office/drawing/2014/main" id="{508F3015-9343-3BC6-1378-605C112960FA}"/>
+              </a:ext>
+            </a:extLst>
+          </p:cNvPr>
+          <p:cNvPicPr>
+            <a:picLocks noChangeAspect="1"/>
+          </p:cNvPicPr>
+          <p:nvPr/>
+        </p:nvPicPr>
+        <p:blipFill>
+          <a:blip r:embed="rId2"/>
+          <a:srcRect l="1901" r="839"/>
+          <a:stretch/>
+        </p:blipFill>
+        <p:spPr>
+          <a:xfrm>
+            <a:off x="-31531" y="342535"/>
+            <a:ext cx="12212759" cy="5795509"/>
+          </a:xfrm>
+          <a:prstGeom prst="rect">
+            <a:avLst/>
+          </a:prstGeom>
+        </p:spPr>
+      </p:pic>
+      <p:sp>
+        <p:nvSpPr>
+          <p:cNvPr id="6" name="TextBox 5">
+            <a:extLst>
+              <a:ext uri="{FF2B5EF4-FFF2-40B4-BE49-F238E27FC236}">
+                <a16:creationId xmlns:a16="http://schemas.microsoft.com/office/drawing/2014/main" id="{8812A321-B136-8489-9B0D-16642FFA0AEF}"/>
+              </a:ext>
+            </a:extLst>
+          </p:cNvPr>
+          <p:cNvSpPr txBox="1"/>
+          <p:nvPr/>
+        </p:nvSpPr>
+        <p:spPr>
+          <a:xfrm>
+            <a:off x="4102443" y="3237470"/>
+            <a:ext cx="1550617" cy="584775"/>
+          </a:xfrm>
+          <a:prstGeom prst="rect">
+            <a:avLst/>
+          </a:prstGeom>
+          <a:noFill/>
+        </p:spPr>
+        <p:txBody>
+          <a:bodyPr wrap="none" rtlCol="0">
+            <a:spAutoFit/>
+          </a:bodyPr>
+          <a:lstStyle/>
+          <a:p>
+            <a:r>
+              <a:rPr lang="en-US" sz="1600" b="1" dirty="0">
+                <a:solidFill>
+                  <a:srgbClr val="B2DF8A"/>
+                </a:solidFill>
+              </a:rPr>
+              <a:t>Pacific</a:t>
+            </a:r>
+          </a:p>
+          <a:p>
+            <a:r>
+              <a:rPr lang="en-US" sz="1600" dirty="0">
+                <a:solidFill>
+                  <a:srgbClr val="B2DF8A"/>
+                </a:solidFill>
+              </a:rPr>
+              <a:t>X FMPs, X stocks</a:t>
+            </a:r>
+          </a:p>
+        </p:txBody>
+      </p:sp>
+      <p:sp>
+        <p:nvSpPr>
+          <p:cNvPr id="7" name="TextBox 6">
+            <a:extLst>
+              <a:ext uri="{FF2B5EF4-FFF2-40B4-BE49-F238E27FC236}">
+                <a16:creationId xmlns:a16="http://schemas.microsoft.com/office/drawing/2014/main" id="{5960AEFB-113E-6676-C514-5469D38B90A6}"/>
+              </a:ext>
+            </a:extLst>
+          </p:cNvPr>
+          <p:cNvSpPr txBox="1"/>
+          <p:nvPr/>
+        </p:nvSpPr>
+        <p:spPr>
+          <a:xfrm>
+            <a:off x="7555091" y="4125594"/>
+            <a:ext cx="1550617" cy="584775"/>
+          </a:xfrm>
+          <a:prstGeom prst="rect">
+            <a:avLst/>
+          </a:prstGeom>
+          <a:noFill/>
+        </p:spPr>
+        <p:txBody>
+          <a:bodyPr wrap="none" rtlCol="0">
+            <a:spAutoFit/>
+          </a:bodyPr>
+          <a:lstStyle/>
+          <a:p>
+            <a:r>
+              <a:rPr lang="en-US" sz="1600" b="1" dirty="0">
+                <a:solidFill>
+                  <a:srgbClr val="E41A1B"/>
+                </a:solidFill>
+              </a:rPr>
+              <a:t>Gulf of Mexico</a:t>
+            </a:r>
+          </a:p>
+          <a:p>
+            <a:r>
+              <a:rPr lang="en-US" sz="1600" dirty="0">
+                <a:solidFill>
+                  <a:srgbClr val="E41A1B"/>
+                </a:solidFill>
+              </a:rPr>
+              <a:t>X FMPs, X stocks</a:t>
+            </a:r>
+          </a:p>
+        </p:txBody>
+      </p:sp>
+      <p:sp>
+        <p:nvSpPr>
+          <p:cNvPr id="8" name="TextBox 7">
+            <a:extLst>
+              <a:ext uri="{FF2B5EF4-FFF2-40B4-BE49-F238E27FC236}">
+                <a16:creationId xmlns:a16="http://schemas.microsoft.com/office/drawing/2014/main" id="{876E3DFB-3A41-12A6-41AC-8297DA1C673B}"/>
+              </a:ext>
+            </a:extLst>
+          </p:cNvPr>
+          <p:cNvSpPr txBox="1"/>
+          <p:nvPr/>
+        </p:nvSpPr>
+        <p:spPr>
+          <a:xfrm>
+            <a:off x="9851602" y="5244398"/>
+            <a:ext cx="1550617" cy="584775"/>
+          </a:xfrm>
+          <a:prstGeom prst="rect">
+            <a:avLst/>
+          </a:prstGeom>
+          <a:noFill/>
+        </p:spPr>
+        <p:txBody>
+          <a:bodyPr wrap="none" rtlCol="0">
+            <a:spAutoFit/>
+          </a:bodyPr>
+          <a:lstStyle/>
+          <a:p>
+            <a:r>
+              <a:rPr lang="en-US" sz="1600" b="1" dirty="0">
+                <a:solidFill>
+                  <a:srgbClr val="FC9A9A"/>
+                </a:solidFill>
+              </a:rPr>
+              <a:t>Caribbean</a:t>
+            </a:r>
+          </a:p>
+          <a:p>
+            <a:r>
+              <a:rPr lang="en-US" sz="1600" dirty="0">
+                <a:solidFill>
+                  <a:srgbClr val="FC9A9A"/>
+                </a:solidFill>
+              </a:rPr>
+              <a:t>X FMPs, X stocks</a:t>
+            </a:r>
+          </a:p>
+        </p:txBody>
+      </p:sp>
+      <p:sp>
+        <p:nvSpPr>
+          <p:cNvPr id="9" name="TextBox 8">
+            <a:extLst>
+              <a:ext uri="{FF2B5EF4-FFF2-40B4-BE49-F238E27FC236}">
+                <a16:creationId xmlns:a16="http://schemas.microsoft.com/office/drawing/2014/main" id="{7A5D8B7B-10E5-4E41-1DEF-538F5952F531}"/>
+              </a:ext>
+            </a:extLst>
+          </p:cNvPr>
+          <p:cNvSpPr txBox="1"/>
+          <p:nvPr/>
+        </p:nvSpPr>
+        <p:spPr>
+          <a:xfrm>
+            <a:off x="10476968" y="3429000"/>
+            <a:ext cx="1550617" cy="584775"/>
+          </a:xfrm>
+          <a:prstGeom prst="rect">
+            <a:avLst/>
+          </a:prstGeom>
+          <a:noFill/>
+        </p:spPr>
+        <p:txBody>
+          <a:bodyPr wrap="none" rtlCol="0">
+            <a:spAutoFit/>
+          </a:bodyPr>
+          <a:lstStyle/>
+          <a:p>
+            <a:r>
+              <a:rPr lang="en-US" sz="1600" b="1" dirty="0">
+                <a:solidFill>
+                  <a:srgbClr val="FF7F00"/>
+                </a:solidFill>
+              </a:rPr>
+              <a:t>Gulf of Mexico</a:t>
+            </a:r>
+          </a:p>
+          <a:p>
+            <a:r>
+              <a:rPr lang="en-US" sz="1600" dirty="0">
+                <a:solidFill>
+                  <a:srgbClr val="FF7F00"/>
+                </a:solidFill>
+              </a:rPr>
+              <a:t>X FMPs, X stocks</a:t>
+            </a:r>
+          </a:p>
+        </p:txBody>
+      </p:sp>
+      <p:sp>
+        <p:nvSpPr>
+          <p:cNvPr id="10" name="TextBox 9">
+            <a:extLst>
+              <a:ext uri="{FF2B5EF4-FFF2-40B4-BE49-F238E27FC236}">
+                <a16:creationId xmlns:a16="http://schemas.microsoft.com/office/drawing/2014/main" id="{A5A5686E-A5DE-7E2A-2AC5-4A2FCB50AF57}"/>
+              </a:ext>
+            </a:extLst>
+          </p:cNvPr>
+          <p:cNvSpPr txBox="1"/>
+          <p:nvPr/>
+        </p:nvSpPr>
+        <p:spPr>
+          <a:xfrm>
+            <a:off x="10976532" y="2431268"/>
+            <a:ext cx="1242456" cy="830997"/>
+          </a:xfrm>
+          <a:prstGeom prst="rect">
+            <a:avLst/>
+          </a:prstGeom>
+          <a:noFill/>
+        </p:spPr>
+        <p:txBody>
+          <a:bodyPr wrap="none" rtlCol="0">
+            <a:spAutoFit/>
+          </a:bodyPr>
+          <a:lstStyle/>
+          <a:p>
+            <a:r>
+              <a:rPr lang="en-US" sz="1600" b="1" dirty="0">
+                <a:solidFill>
+                  <a:srgbClr val="A6CEE4"/>
+                </a:solidFill>
+              </a:rPr>
+              <a:t>Mid-Atlantic</a:t>
+            </a:r>
+          </a:p>
+          <a:p>
+            <a:r>
+              <a:rPr lang="en-US" sz="1600" dirty="0">
+                <a:solidFill>
+                  <a:srgbClr val="A6CEE4"/>
+                </a:solidFill>
+              </a:rPr>
+              <a:t>X FMPs, </a:t>
+            </a:r>
+          </a:p>
+          <a:p>
+            <a:r>
+              <a:rPr lang="en-US" sz="1600" dirty="0">
+                <a:solidFill>
+                  <a:srgbClr val="A6CEE4"/>
+                </a:solidFill>
+              </a:rPr>
+              <a:t>X stocks</a:t>
+            </a:r>
+          </a:p>
+        </p:txBody>
+      </p:sp>
+      <p:sp>
+        <p:nvSpPr>
+          <p:cNvPr id="11" name="TextBox 10">
+            <a:extLst>
+              <a:ext uri="{FF2B5EF4-FFF2-40B4-BE49-F238E27FC236}">
+                <a16:creationId xmlns:a16="http://schemas.microsoft.com/office/drawing/2014/main" id="{674C492C-B559-8A44-BEA7-D9C9CD83AD7D}"/>
+              </a:ext>
+            </a:extLst>
+          </p:cNvPr>
+          <p:cNvSpPr txBox="1"/>
+          <p:nvPr/>
+        </p:nvSpPr>
+        <p:spPr>
+          <a:xfrm>
+            <a:off x="9624513" y="736439"/>
+            <a:ext cx="1550617" cy="584775"/>
+          </a:xfrm>
+          <a:prstGeom prst="rect">
+            <a:avLst/>
+          </a:prstGeom>
+          <a:noFill/>
+        </p:spPr>
+        <p:txBody>
+          <a:bodyPr wrap="none" rtlCol="0">
+            <a:spAutoFit/>
+          </a:bodyPr>
+          <a:lstStyle/>
+          <a:p>
+            <a:r>
+              <a:rPr lang="en-US" sz="1600" b="1" dirty="0">
+                <a:solidFill>
+                  <a:srgbClr val="1F78B4"/>
+                </a:solidFill>
+              </a:rPr>
+              <a:t>New England</a:t>
+            </a:r>
+          </a:p>
+          <a:p>
+            <a:r>
+              <a:rPr lang="en-US" sz="1600" dirty="0">
+                <a:solidFill>
+                  <a:srgbClr val="1F78B4"/>
+                </a:solidFill>
+              </a:rPr>
+              <a:t>X FMPs, X stocks</a:t>
+            </a:r>
+          </a:p>
+        </p:txBody>
+      </p:sp>
+      <p:sp>
+        <p:nvSpPr>
+          <p:cNvPr id="12" name="TextBox 11">
+            <a:extLst>
+              <a:ext uri="{FF2B5EF4-FFF2-40B4-BE49-F238E27FC236}">
+                <a16:creationId xmlns:a16="http://schemas.microsoft.com/office/drawing/2014/main" id="{FCFEAD6F-55B3-C5D7-92AA-9B790EEE5C1D}"/>
+              </a:ext>
+            </a:extLst>
+          </p:cNvPr>
+          <p:cNvSpPr txBox="1"/>
+          <p:nvPr/>
+        </p:nvSpPr>
+        <p:spPr>
+          <a:xfrm>
+            <a:off x="359648" y="5244398"/>
+            <a:ext cx="1550617" cy="584775"/>
+          </a:xfrm>
+          <a:prstGeom prst="rect">
+            <a:avLst/>
+          </a:prstGeom>
+          <a:noFill/>
+        </p:spPr>
+        <p:txBody>
+          <a:bodyPr wrap="none" rtlCol="0">
+            <a:spAutoFit/>
+          </a:bodyPr>
+          <a:lstStyle/>
+          <a:p>
+            <a:r>
+              <a:rPr lang="en-US" sz="1600" b="1" dirty="0">
+                <a:solidFill>
+                  <a:srgbClr val="FEC06E"/>
+                </a:solidFill>
+              </a:rPr>
+              <a:t>Western Pacific</a:t>
+            </a:r>
+          </a:p>
+          <a:p>
+            <a:r>
+              <a:rPr lang="en-US" sz="1600" dirty="0">
+                <a:solidFill>
+                  <a:srgbClr val="FEC06E"/>
+                </a:solidFill>
+              </a:rPr>
+              <a:t>X FMPs, X stocks</a:t>
+            </a:r>
+          </a:p>
+        </p:txBody>
+      </p:sp>
+      <p:sp>
+        <p:nvSpPr>
+          <p:cNvPr id="13" name="TextBox 12">
+            <a:extLst>
+              <a:ext uri="{FF2B5EF4-FFF2-40B4-BE49-F238E27FC236}">
+                <a16:creationId xmlns:a16="http://schemas.microsoft.com/office/drawing/2014/main" id="{24E3A5F1-FD33-76AA-63F7-D85DF6B0CFBD}"/>
+              </a:ext>
+            </a:extLst>
+          </p:cNvPr>
+          <p:cNvSpPr txBox="1"/>
+          <p:nvPr/>
+        </p:nvSpPr>
+        <p:spPr>
+          <a:xfrm>
+            <a:off x="112651" y="444051"/>
+            <a:ext cx="1275477" cy="830997"/>
+          </a:xfrm>
+          <a:prstGeom prst="rect">
+            <a:avLst/>
+          </a:prstGeom>
+          <a:noFill/>
+        </p:spPr>
+        <p:txBody>
+          <a:bodyPr wrap="none" rtlCol="0">
+            <a:spAutoFit/>
+          </a:bodyPr>
+          <a:lstStyle/>
+          <a:p>
+            <a:r>
+              <a:rPr lang="en-US" sz="1600" b="1" dirty="0">
+                <a:solidFill>
+                  <a:srgbClr val="32A02C"/>
+                </a:solidFill>
+              </a:rPr>
+              <a:t>North Pacific</a:t>
+            </a:r>
+          </a:p>
+          <a:p>
+            <a:r>
+              <a:rPr lang="en-US" sz="1600" dirty="0">
+                <a:solidFill>
+                  <a:srgbClr val="32A02C"/>
+                </a:solidFill>
+              </a:rPr>
+              <a:t>X FMPs, </a:t>
+            </a:r>
+          </a:p>
+          <a:p>
+            <a:r>
+              <a:rPr lang="en-US" sz="1600" dirty="0">
+                <a:solidFill>
+                  <a:srgbClr val="32A02C"/>
+                </a:solidFill>
+              </a:rPr>
+              <a:t>X stocks</a:t>
+            </a:r>
+          </a:p>
+        </p:txBody>
+      </p:sp>
+    </p:spTree>
+    <p:extLst>
+      <p:ext uri="{BB962C8B-B14F-4D97-AF65-F5344CB8AC3E}">
+        <p14:creationId xmlns:p14="http://schemas.microsoft.com/office/powerpoint/2010/main" val="2022952933"/>
+      </p:ext>
+    </p:extLst>
+  </p:cSld>
+  <p:clrMapOvr>
+    <a:masterClrMapping/>
+  </p:clrMapOvr>
+</p:sld>
+</file>
+
+<file path=ppt/slides/slide2.xml><?xml version="1.0" encoding="utf-8"?>
+<p:sld xmlns:a="http://schemas.openxmlformats.org/drawingml/2006/main" xmlns:r="http://schemas.openxmlformats.org/officeDocument/2006/relationships" xmlns:p="http://schemas.openxmlformats.org/presentationml/2006/main">
+  <p:cSld>
+    <p:spTree>
+      <p:nvGrpSpPr>
+        <p:cNvPr id="1" name=""/>
+        <p:cNvGrpSpPr/>
+        <p:nvPr/>
+      </p:nvGrpSpPr>
+      <p:grpSpPr>
+        <a:xfrm>
+          <a:off x="0" y="0"/>
+          <a:ext cx="0" cy="0"/>
+          <a:chOff x="0" y="0"/>
+          <a:chExt cx="0" cy="0"/>
+        </a:xfrm>
+      </p:grpSpPr>
+      <p:pic>
+        <p:nvPicPr>
           <p:cNvPr id="5" name="Picture 4">
             <a:extLst>
               <a:ext uri="{FF2B5EF4-FFF2-40B4-BE49-F238E27FC236}">

--- a/figures/Fig1_council_map.pptx
+++ b/figures/Fig1_council_map.pptx
@@ -260,7 +260,7 @@
           <a:p>
             <a:fld id="{548A9B96-406B-D54C-B9FC-26BFA4C3411E}" type="datetimeFigureOut">
               <a:rPr lang="en-US" smtClean="0"/>
-              <a:t>10/14/24</a:t>
+              <a:t>10/22/24</a:t>
             </a:fld>
             <a:endParaRPr lang="en-US"/>
           </a:p>
@@ -458,7 +458,7 @@
           <a:p>
             <a:fld id="{548A9B96-406B-D54C-B9FC-26BFA4C3411E}" type="datetimeFigureOut">
               <a:rPr lang="en-US" smtClean="0"/>
-              <a:t>10/14/24</a:t>
+              <a:t>10/22/24</a:t>
             </a:fld>
             <a:endParaRPr lang="en-US"/>
           </a:p>
@@ -666,7 +666,7 @@
           <a:p>
             <a:fld id="{548A9B96-406B-D54C-B9FC-26BFA4C3411E}" type="datetimeFigureOut">
               <a:rPr lang="en-US" smtClean="0"/>
-              <a:t>10/14/24</a:t>
+              <a:t>10/22/24</a:t>
             </a:fld>
             <a:endParaRPr lang="en-US"/>
           </a:p>
@@ -864,7 +864,7 @@
           <a:p>
             <a:fld id="{548A9B96-406B-D54C-B9FC-26BFA4C3411E}" type="datetimeFigureOut">
               <a:rPr lang="en-US" smtClean="0"/>
-              <a:t>10/14/24</a:t>
+              <a:t>10/22/24</a:t>
             </a:fld>
             <a:endParaRPr lang="en-US"/>
           </a:p>
@@ -1139,7 +1139,7 @@
           <a:p>
             <a:fld id="{548A9B96-406B-D54C-B9FC-26BFA4C3411E}" type="datetimeFigureOut">
               <a:rPr lang="en-US" smtClean="0"/>
-              <a:t>10/14/24</a:t>
+              <a:t>10/22/24</a:t>
             </a:fld>
             <a:endParaRPr lang="en-US"/>
           </a:p>
@@ -1404,7 +1404,7 @@
           <a:p>
             <a:fld id="{548A9B96-406B-D54C-B9FC-26BFA4C3411E}" type="datetimeFigureOut">
               <a:rPr lang="en-US" smtClean="0"/>
-              <a:t>10/14/24</a:t>
+              <a:t>10/22/24</a:t>
             </a:fld>
             <a:endParaRPr lang="en-US"/>
           </a:p>
@@ -1816,7 +1816,7 @@
           <a:p>
             <a:fld id="{548A9B96-406B-D54C-B9FC-26BFA4C3411E}" type="datetimeFigureOut">
               <a:rPr lang="en-US" smtClean="0"/>
-              <a:t>10/14/24</a:t>
+              <a:t>10/22/24</a:t>
             </a:fld>
             <a:endParaRPr lang="en-US"/>
           </a:p>
@@ -1957,7 +1957,7 @@
           <a:p>
             <a:fld id="{548A9B96-406B-D54C-B9FC-26BFA4C3411E}" type="datetimeFigureOut">
               <a:rPr lang="en-US" smtClean="0"/>
-              <a:t>10/14/24</a:t>
+              <a:t>10/22/24</a:t>
             </a:fld>
             <a:endParaRPr lang="en-US"/>
           </a:p>
@@ -2070,7 +2070,7 @@
           <a:p>
             <a:fld id="{548A9B96-406B-D54C-B9FC-26BFA4C3411E}" type="datetimeFigureOut">
               <a:rPr lang="en-US" smtClean="0"/>
-              <a:t>10/14/24</a:t>
+              <a:t>10/22/24</a:t>
             </a:fld>
             <a:endParaRPr lang="en-US"/>
           </a:p>
@@ -2381,7 +2381,7 @@
           <a:p>
             <a:fld id="{548A9B96-406B-D54C-B9FC-26BFA4C3411E}" type="datetimeFigureOut">
               <a:rPr lang="en-US" smtClean="0"/>
-              <a:t>10/14/24</a:t>
+              <a:t>10/22/24</a:t>
             </a:fld>
             <a:endParaRPr lang="en-US"/>
           </a:p>
@@ -2669,7 +2669,7 @@
           <a:p>
             <a:fld id="{548A9B96-406B-D54C-B9FC-26BFA4C3411E}" type="datetimeFigureOut">
               <a:rPr lang="en-US" smtClean="0"/>
-              <a:t>10/14/24</a:t>
+              <a:t>10/22/24</a:t>
             </a:fld>
             <a:endParaRPr lang="en-US"/>
           </a:p>
@@ -2910,7 +2910,7 @@
           <a:p>
             <a:fld id="{548A9B96-406B-D54C-B9FC-26BFA4C3411E}" type="datetimeFigureOut">
               <a:rPr lang="en-US" smtClean="0"/>
-              <a:t>10/14/24</a:t>
+              <a:t>10/22/24</a:t>
             </a:fld>
             <a:endParaRPr lang="en-US"/>
           </a:p>
@@ -3348,8 +3348,8 @@
         </p:blipFill>
         <p:spPr>
           <a:xfrm>
-            <a:off x="-31531" y="342535"/>
-            <a:ext cx="12212759" cy="5795509"/>
+            <a:off x="10022" y="342536"/>
+            <a:ext cx="12170036" cy="5775235"/>
           </a:xfrm>
           <a:prstGeom prst="rect">
             <a:avLst/>
@@ -3371,7 +3371,7 @@
         <p:spPr>
           <a:xfrm>
             <a:off x="4102443" y="3237470"/>
-            <a:ext cx="1550617" cy="584775"/>
+            <a:ext cx="1755802" cy="830997"/>
           </a:xfrm>
           <a:prstGeom prst="rect">
             <a:avLst/>
@@ -3400,7 +3400,17 @@
                   <a:srgbClr val="B2DF8A"/>
                 </a:solidFill>
               </a:rPr>
-              <a:t>X FMPs, X stocks</a:t>
+              <a:t>3 FMPs, 133 stocks</a:t>
+            </a:r>
+          </a:p>
+          <a:p>
+            <a:r>
+              <a:rPr lang="en-US" sz="1600" dirty="0">
+                <a:solidFill>
+                  <a:srgbClr val="B2DF8A"/>
+                </a:solidFill>
+              </a:rPr>
+              <a:t>(HMS: +18 stocks)</a:t>
             </a:r>
           </a:p>
         </p:txBody>
@@ -3420,7 +3430,7 @@
         <p:spPr>
           <a:xfrm>
             <a:off x="7555091" y="4125594"/>
-            <a:ext cx="1550617" cy="584775"/>
+            <a:ext cx="1651606" cy="584775"/>
           </a:xfrm>
           <a:prstGeom prst="rect">
             <a:avLst/>
@@ -3449,7 +3459,7 @@
                   <a:srgbClr val="E41A1B"/>
                 </a:solidFill>
               </a:rPr>
-              <a:t>X FMPs, X stocks</a:t>
+              <a:t>3 FMPs, 28 stocks</a:t>
             </a:r>
           </a:p>
         </p:txBody>
@@ -3468,8 +3478,8 @@
         </p:nvSpPr>
         <p:spPr>
           <a:xfrm>
-            <a:off x="9851602" y="5244398"/>
-            <a:ext cx="1550617" cy="584775"/>
+            <a:off x="9797172" y="5287942"/>
+            <a:ext cx="1651606" cy="584775"/>
           </a:xfrm>
           <a:prstGeom prst="rect">
             <a:avLst/>
@@ -3498,7 +3508,7 @@
                   <a:srgbClr val="FC9A9A"/>
                 </a:solidFill>
               </a:rPr>
-              <a:t>X FMPs, X stocks</a:t>
+              <a:t>3 FMPs, 74 stocks</a:t>
             </a:r>
           </a:p>
         </p:txBody>
@@ -3518,7 +3528,7 @@
         <p:spPr>
           <a:xfrm>
             <a:off x="10476968" y="3429000"/>
-            <a:ext cx="1550617" cy="584775"/>
+            <a:ext cx="1651606" cy="584775"/>
           </a:xfrm>
           <a:prstGeom prst="rect">
             <a:avLst/>
@@ -3537,7 +3547,7 @@
                   <a:srgbClr val="FF7F00"/>
                 </a:solidFill>
               </a:rPr>
-              <a:t>Gulf of Mexico</a:t>
+              <a:t>South Atlantic</a:t>
             </a:r>
           </a:p>
           <a:p>
@@ -3547,7 +3557,7 @@
                   <a:srgbClr val="FF7F00"/>
                 </a:solidFill>
               </a:rPr>
-              <a:t>X FMPs, X stocks</a:t>
+              <a:t>6 FMPs, 48 stocks</a:t>
             </a:r>
           </a:p>
         </p:txBody>
@@ -3596,7 +3606,7 @@
                   <a:srgbClr val="A6CEE4"/>
                 </a:solidFill>
               </a:rPr>
-              <a:t>X FMPs, </a:t>
+              <a:t>5 FMPs, </a:t>
             </a:r>
           </a:p>
           <a:p>
@@ -3606,7 +3616,7 @@
                   <a:srgbClr val="A6CEE4"/>
                 </a:solidFill>
               </a:rPr>
-              <a:t>X stocks</a:t>
+              <a:t>14 stocks</a:t>
             </a:r>
           </a:p>
         </p:txBody>
@@ -3625,8 +3635,8 @@
         </p:nvSpPr>
         <p:spPr>
           <a:xfrm>
-            <a:off x="9624513" y="736439"/>
-            <a:ext cx="1550617" cy="584775"/>
+            <a:off x="9482911" y="555904"/>
+            <a:ext cx="1664430" cy="830997"/>
           </a:xfrm>
           <a:prstGeom prst="rect">
             <a:avLst/>
@@ -3655,7 +3665,17 @@
                   <a:srgbClr val="1F78B4"/>
                 </a:solidFill>
               </a:rPr>
-              <a:t>X FMPs, X stocks</a:t>
+              <a:t>9 FMPs, 38 stocks</a:t>
+            </a:r>
+          </a:p>
+          <a:p>
+            <a:r>
+              <a:rPr lang="en-US" sz="1600" dirty="0">
+                <a:solidFill>
+                  <a:srgbClr val="1F78B4"/>
+                </a:solidFill>
+              </a:rPr>
+              <a:t>(HMS: +38 stocks)</a:t>
             </a:r>
           </a:p>
         </p:txBody>
@@ -3675,7 +3695,7 @@
         <p:spPr>
           <a:xfrm>
             <a:off x="359648" y="5244398"/>
-            <a:ext cx="1550617" cy="584775"/>
+            <a:ext cx="1577868" cy="584775"/>
           </a:xfrm>
           <a:prstGeom prst="rect">
             <a:avLst/>
@@ -3704,7 +3724,7 @@
                   <a:srgbClr val="FEC06E"/>
                 </a:solidFill>
               </a:rPr>
-              <a:t>X FMPs, X stocks</a:t>
+              <a:t>5 FEPs, 39 stocks</a:t>
             </a:r>
           </a:p>
         </p:txBody>
@@ -3723,7 +3743,7 @@
         </p:nvSpPr>
         <p:spPr>
           <a:xfrm>
-            <a:off x="112651" y="444051"/>
+            <a:off x="90879" y="454937"/>
             <a:ext cx="1275477" cy="830997"/>
           </a:xfrm>
           <a:prstGeom prst="rect">
@@ -3753,7 +3773,7 @@
                   <a:srgbClr val="32A02C"/>
                 </a:solidFill>
               </a:rPr>
-              <a:t>X FMPs, </a:t>
+              <a:t>6 FMPs, </a:t>
             </a:r>
           </a:p>
           <a:p>
@@ -3763,7 +3783,7 @@
                   <a:srgbClr val="32A02C"/>
                 </a:solidFill>
               </a:rPr>
-              <a:t>X stocks</a:t>
+              <a:t>61 stocks</a:t>
             </a:r>
           </a:p>
         </p:txBody>

--- a/figures/Fig1_council_map.pptx
+++ b/figures/Fig1_council_map.pptx
@@ -260,7 +260,7 @@
           <a:p>
             <a:fld id="{548A9B96-406B-D54C-B9FC-26BFA4C3411E}" type="datetimeFigureOut">
               <a:rPr lang="en-US" smtClean="0"/>
-              <a:t>10/22/24</a:t>
+              <a:t>10/24/24</a:t>
             </a:fld>
             <a:endParaRPr lang="en-US"/>
           </a:p>
@@ -458,7 +458,7 @@
           <a:p>
             <a:fld id="{548A9B96-406B-D54C-B9FC-26BFA4C3411E}" type="datetimeFigureOut">
               <a:rPr lang="en-US" smtClean="0"/>
-              <a:t>10/22/24</a:t>
+              <a:t>10/24/24</a:t>
             </a:fld>
             <a:endParaRPr lang="en-US"/>
           </a:p>
@@ -666,7 +666,7 @@
           <a:p>
             <a:fld id="{548A9B96-406B-D54C-B9FC-26BFA4C3411E}" type="datetimeFigureOut">
               <a:rPr lang="en-US" smtClean="0"/>
-              <a:t>10/22/24</a:t>
+              <a:t>10/24/24</a:t>
             </a:fld>
             <a:endParaRPr lang="en-US"/>
           </a:p>
@@ -864,7 +864,7 @@
           <a:p>
             <a:fld id="{548A9B96-406B-D54C-B9FC-26BFA4C3411E}" type="datetimeFigureOut">
               <a:rPr lang="en-US" smtClean="0"/>
-              <a:t>10/22/24</a:t>
+              <a:t>10/24/24</a:t>
             </a:fld>
             <a:endParaRPr lang="en-US"/>
           </a:p>
@@ -1139,7 +1139,7 @@
           <a:p>
             <a:fld id="{548A9B96-406B-D54C-B9FC-26BFA4C3411E}" type="datetimeFigureOut">
               <a:rPr lang="en-US" smtClean="0"/>
-              <a:t>10/22/24</a:t>
+              <a:t>10/24/24</a:t>
             </a:fld>
             <a:endParaRPr lang="en-US"/>
           </a:p>
@@ -1404,7 +1404,7 @@
           <a:p>
             <a:fld id="{548A9B96-406B-D54C-B9FC-26BFA4C3411E}" type="datetimeFigureOut">
               <a:rPr lang="en-US" smtClean="0"/>
-              <a:t>10/22/24</a:t>
+              <a:t>10/24/24</a:t>
             </a:fld>
             <a:endParaRPr lang="en-US"/>
           </a:p>
@@ -1816,7 +1816,7 @@
           <a:p>
             <a:fld id="{548A9B96-406B-D54C-B9FC-26BFA4C3411E}" type="datetimeFigureOut">
               <a:rPr lang="en-US" smtClean="0"/>
-              <a:t>10/22/24</a:t>
+              <a:t>10/24/24</a:t>
             </a:fld>
             <a:endParaRPr lang="en-US"/>
           </a:p>
@@ -1957,7 +1957,7 @@
           <a:p>
             <a:fld id="{548A9B96-406B-D54C-B9FC-26BFA4C3411E}" type="datetimeFigureOut">
               <a:rPr lang="en-US" smtClean="0"/>
-              <a:t>10/22/24</a:t>
+              <a:t>10/24/24</a:t>
             </a:fld>
             <a:endParaRPr lang="en-US"/>
           </a:p>
@@ -2070,7 +2070,7 @@
           <a:p>
             <a:fld id="{548A9B96-406B-D54C-B9FC-26BFA4C3411E}" type="datetimeFigureOut">
               <a:rPr lang="en-US" smtClean="0"/>
-              <a:t>10/22/24</a:t>
+              <a:t>10/24/24</a:t>
             </a:fld>
             <a:endParaRPr lang="en-US"/>
           </a:p>
@@ -2381,7 +2381,7 @@
           <a:p>
             <a:fld id="{548A9B96-406B-D54C-B9FC-26BFA4C3411E}" type="datetimeFigureOut">
               <a:rPr lang="en-US" smtClean="0"/>
-              <a:t>10/22/24</a:t>
+              <a:t>10/24/24</a:t>
             </a:fld>
             <a:endParaRPr lang="en-US"/>
           </a:p>
@@ -2669,7 +2669,7 @@
           <a:p>
             <a:fld id="{548A9B96-406B-D54C-B9FC-26BFA4C3411E}" type="datetimeFigureOut">
               <a:rPr lang="en-US" smtClean="0"/>
-              <a:t>10/22/24</a:t>
+              <a:t>10/24/24</a:t>
             </a:fld>
             <a:endParaRPr lang="en-US"/>
           </a:p>
@@ -2910,7 +2910,7 @@
           <a:p>
             <a:fld id="{548A9B96-406B-D54C-B9FC-26BFA4C3411E}" type="datetimeFigureOut">
               <a:rPr lang="en-US" smtClean="0"/>
-              <a:t>10/22/24</a:t>
+              <a:t>10/24/24</a:t>
             </a:fld>
             <a:endParaRPr lang="en-US"/>
           </a:p>
@@ -3370,8 +3370,8 @@
         </p:nvSpPr>
         <p:spPr>
           <a:xfrm>
-            <a:off x="4102443" y="3237470"/>
-            <a:ext cx="1755802" cy="830997"/>
+            <a:off x="3839685" y="3237470"/>
+            <a:ext cx="1871218" cy="830997"/>
           </a:xfrm>
           <a:prstGeom prst="rect">
             <a:avLst/>
@@ -3410,7 +3410,7 @@
                   <a:srgbClr val="B2DF8A"/>
                 </a:solidFill>
               </a:rPr>
-              <a:t>(HMS: +18 stocks)</a:t>
+              <a:t>HMS FMP: 18 stocks</a:t>
             </a:r>
           </a:p>
         </p:txBody>
@@ -3527,7 +3527,7 @@
         </p:nvSpPr>
         <p:spPr>
           <a:xfrm>
-            <a:off x="10476968" y="3429000"/>
+            <a:off x="10434928" y="3429000"/>
             <a:ext cx="1651606" cy="584775"/>
           </a:xfrm>
           <a:prstGeom prst="rect">
@@ -3576,7 +3576,7 @@
         </p:nvSpPr>
         <p:spPr>
           <a:xfrm>
-            <a:off x="10976532" y="2431268"/>
+            <a:off x="10966022" y="2431268"/>
             <a:ext cx="1242456" cy="830997"/>
           </a:xfrm>
           <a:prstGeom prst="rect">
@@ -3635,8 +3635,8 @@
         </p:nvSpPr>
         <p:spPr>
           <a:xfrm>
-            <a:off x="9482911" y="555904"/>
-            <a:ext cx="1664430" cy="830997"/>
+            <a:off x="9409339" y="482337"/>
+            <a:ext cx="1933734" cy="830997"/>
           </a:xfrm>
           <a:prstGeom prst="rect">
             <a:avLst/>
@@ -3675,7 +3675,7 @@
                   <a:srgbClr val="1F78B4"/>
                 </a:solidFill>
               </a:rPr>
-              <a:t>(HMS: +38 stocks)</a:t>
+              <a:t>HMS FMP: 38 stocks</a:t>
             </a:r>
           </a:p>
         </p:txBody>
@@ -3694,7 +3694,7 @@
         </p:nvSpPr>
         <p:spPr>
           <a:xfrm>
-            <a:off x="359648" y="5244398"/>
+            <a:off x="569850" y="5286438"/>
             <a:ext cx="1577868" cy="584775"/>
           </a:xfrm>
           <a:prstGeom prst="rect">
@@ -3743,7 +3743,7 @@
         </p:nvSpPr>
         <p:spPr>
           <a:xfrm>
-            <a:off x="90879" y="454937"/>
+            <a:off x="69859" y="454937"/>
             <a:ext cx="1275477" cy="830997"/>
           </a:xfrm>
           <a:prstGeom prst="rect">
